--- a/CalendarioAgo24/Presentaciones/2_DispositivosRedes.pptx
+++ b/CalendarioAgo24/Presentaciones/2_DispositivosRedes.pptx
@@ -221,7 +221,7 @@
           <a:p>
             <a:fld id="{2D445F07-8756-451B-A938-0248325FC7BB}" type="datetimeFigureOut">
               <a:rPr lang="es-MX" smtClean="0"/>
-              <a:t>15/05/2023</a:t>
+              <a:t>27/10/2024</a:t>
             </a:fld>
             <a:endParaRPr lang="es-MX" dirty="0"/>
           </a:p>
@@ -380,7 +380,7 @@
           <a:p>
             <a:fld id="{5993AEC0-242E-4FA7-9D3C-51E1036AC3CB}" type="slidenum">
               <a:rPr lang="es-MX" smtClean="0"/>
-              <a:t>‹Nº›</a:t>
+              <a:t>‹#›</a:t>
             </a:fld>
             <a:endParaRPr lang="es-MX" dirty="0"/>
           </a:p>
@@ -1443,7 +1443,7 @@
           <a:p>
             <a:fld id="{5E75A0DC-66C6-4CEC-A5EB-F8C97CEC3796}" type="datetimeFigureOut">
               <a:rPr lang="es-MX" smtClean="0"/>
-              <a:t>15/05/2023</a:t>
+              <a:t>27/10/2024</a:t>
             </a:fld>
             <a:endParaRPr lang="es-MX" dirty="0"/>
           </a:p>
@@ -1485,7 +1485,7 @@
           <a:p>
             <a:fld id="{C077EE1E-7A06-4E7F-9AFB-189FC69B7B0C}" type="slidenum">
               <a:rPr lang="es-MX" smtClean="0"/>
-              <a:t>‹Nº›</a:t>
+              <a:t>‹#›</a:t>
             </a:fld>
             <a:endParaRPr lang="es-MX" dirty="0"/>
           </a:p>
@@ -1613,7 +1613,7 @@
           <a:p>
             <a:fld id="{5E75A0DC-66C6-4CEC-A5EB-F8C97CEC3796}" type="datetimeFigureOut">
               <a:rPr lang="es-MX" smtClean="0"/>
-              <a:t>15/05/2023</a:t>
+              <a:t>27/10/2024</a:t>
             </a:fld>
             <a:endParaRPr lang="es-MX" dirty="0"/>
           </a:p>
@@ -1655,7 +1655,7 @@
           <a:p>
             <a:fld id="{C077EE1E-7A06-4E7F-9AFB-189FC69B7B0C}" type="slidenum">
               <a:rPr lang="es-MX" smtClean="0"/>
-              <a:t>‹Nº›</a:t>
+              <a:t>‹#›</a:t>
             </a:fld>
             <a:endParaRPr lang="es-MX" dirty="0"/>
           </a:p>
@@ -1793,7 +1793,7 @@
           <a:p>
             <a:fld id="{5E75A0DC-66C6-4CEC-A5EB-F8C97CEC3796}" type="datetimeFigureOut">
               <a:rPr lang="es-MX" smtClean="0"/>
-              <a:t>15/05/2023</a:t>
+              <a:t>27/10/2024</a:t>
             </a:fld>
             <a:endParaRPr lang="es-MX" dirty="0"/>
           </a:p>
@@ -1835,7 +1835,7 @@
           <a:p>
             <a:fld id="{C077EE1E-7A06-4E7F-9AFB-189FC69B7B0C}" type="slidenum">
               <a:rPr lang="es-MX" smtClean="0"/>
-              <a:t>‹Nº›</a:t>
+              <a:t>‹#›</a:t>
             </a:fld>
             <a:endParaRPr lang="es-MX" dirty="0"/>
           </a:p>
@@ -1914,7 +1914,7 @@
               <a:pPr defTabSz="385763">
                 <a:defRPr/>
               </a:pPr>
-              <a:t>‹Nº›</a:t>
+              <a:t>‹#›</a:t>
             </a:fld>
             <a:endParaRPr lang="en-US" kern="0" dirty="0">
               <a:solidFill>
@@ -2268,7 +2268,7 @@
           <a:p>
             <a:fld id="{5E75A0DC-66C6-4CEC-A5EB-F8C97CEC3796}" type="datetimeFigureOut">
               <a:rPr lang="es-MX" smtClean="0"/>
-              <a:t>15/05/2023</a:t>
+              <a:t>27/10/2024</a:t>
             </a:fld>
             <a:endParaRPr lang="es-MX" dirty="0"/>
           </a:p>
@@ -2310,7 +2310,7 @@
           <a:p>
             <a:fld id="{C077EE1E-7A06-4E7F-9AFB-189FC69B7B0C}" type="slidenum">
               <a:rPr lang="es-MX" smtClean="0"/>
-              <a:t>‹Nº›</a:t>
+              <a:t>‹#›</a:t>
             </a:fld>
             <a:endParaRPr lang="es-MX" dirty="0"/>
           </a:p>
@@ -2514,7 +2514,7 @@
           <a:p>
             <a:fld id="{5E75A0DC-66C6-4CEC-A5EB-F8C97CEC3796}" type="datetimeFigureOut">
               <a:rPr lang="es-MX" smtClean="0"/>
-              <a:t>15/05/2023</a:t>
+              <a:t>27/10/2024</a:t>
             </a:fld>
             <a:endParaRPr lang="es-MX" dirty="0"/>
           </a:p>
@@ -2556,7 +2556,7 @@
           <a:p>
             <a:fld id="{C077EE1E-7A06-4E7F-9AFB-189FC69B7B0C}" type="slidenum">
               <a:rPr lang="es-MX" smtClean="0"/>
-              <a:t>‹Nº›</a:t>
+              <a:t>‹#›</a:t>
             </a:fld>
             <a:endParaRPr lang="es-MX" dirty="0"/>
           </a:p>
@@ -2802,7 +2802,7 @@
           <a:p>
             <a:fld id="{5E75A0DC-66C6-4CEC-A5EB-F8C97CEC3796}" type="datetimeFigureOut">
               <a:rPr lang="es-MX" smtClean="0"/>
-              <a:t>15/05/2023</a:t>
+              <a:t>27/10/2024</a:t>
             </a:fld>
             <a:endParaRPr lang="es-MX" dirty="0"/>
           </a:p>
@@ -2844,7 +2844,7 @@
           <a:p>
             <a:fld id="{C077EE1E-7A06-4E7F-9AFB-189FC69B7B0C}" type="slidenum">
               <a:rPr lang="es-MX" smtClean="0"/>
-              <a:t>‹Nº›</a:t>
+              <a:t>‹#›</a:t>
             </a:fld>
             <a:endParaRPr lang="es-MX" dirty="0"/>
           </a:p>
@@ -3224,7 +3224,7 @@
           <a:p>
             <a:fld id="{5E75A0DC-66C6-4CEC-A5EB-F8C97CEC3796}" type="datetimeFigureOut">
               <a:rPr lang="es-MX" smtClean="0"/>
-              <a:t>15/05/2023</a:t>
+              <a:t>27/10/2024</a:t>
             </a:fld>
             <a:endParaRPr lang="es-MX" dirty="0"/>
           </a:p>
@@ -3266,7 +3266,7 @@
           <a:p>
             <a:fld id="{C077EE1E-7A06-4E7F-9AFB-189FC69B7B0C}" type="slidenum">
               <a:rPr lang="es-MX" smtClean="0"/>
-              <a:t>‹Nº›</a:t>
+              <a:t>‹#›</a:t>
             </a:fld>
             <a:endParaRPr lang="es-MX" dirty="0"/>
           </a:p>
@@ -3342,7 +3342,7 @@
           <a:p>
             <a:fld id="{5E75A0DC-66C6-4CEC-A5EB-F8C97CEC3796}" type="datetimeFigureOut">
               <a:rPr lang="es-MX" smtClean="0"/>
-              <a:t>15/05/2023</a:t>
+              <a:t>27/10/2024</a:t>
             </a:fld>
             <a:endParaRPr lang="es-MX" dirty="0"/>
           </a:p>
@@ -3384,7 +3384,7 @@
           <a:p>
             <a:fld id="{C077EE1E-7A06-4E7F-9AFB-189FC69B7B0C}" type="slidenum">
               <a:rPr lang="es-MX" smtClean="0"/>
-              <a:t>‹Nº›</a:t>
+              <a:t>‹#›</a:t>
             </a:fld>
             <a:endParaRPr lang="es-MX" dirty="0"/>
           </a:p>
@@ -3437,7 +3437,7 @@
           <a:p>
             <a:fld id="{5E75A0DC-66C6-4CEC-A5EB-F8C97CEC3796}" type="datetimeFigureOut">
               <a:rPr lang="es-MX" smtClean="0"/>
-              <a:t>15/05/2023</a:t>
+              <a:t>27/10/2024</a:t>
             </a:fld>
             <a:endParaRPr lang="es-MX" dirty="0"/>
           </a:p>
@@ -3479,7 +3479,7 @@
           <a:p>
             <a:fld id="{C077EE1E-7A06-4E7F-9AFB-189FC69B7B0C}" type="slidenum">
               <a:rPr lang="es-MX" smtClean="0"/>
-              <a:t>‹Nº›</a:t>
+              <a:t>‹#›</a:t>
             </a:fld>
             <a:endParaRPr lang="es-MX" dirty="0"/>
           </a:p>
@@ -3714,7 +3714,7 @@
           <a:p>
             <a:fld id="{5E75A0DC-66C6-4CEC-A5EB-F8C97CEC3796}" type="datetimeFigureOut">
               <a:rPr lang="es-MX" smtClean="0"/>
-              <a:t>15/05/2023</a:t>
+              <a:t>27/10/2024</a:t>
             </a:fld>
             <a:endParaRPr lang="es-MX" dirty="0"/>
           </a:p>
@@ -3756,7 +3756,7 @@
           <a:p>
             <a:fld id="{C077EE1E-7A06-4E7F-9AFB-189FC69B7B0C}" type="slidenum">
               <a:rPr lang="es-MX" smtClean="0"/>
-              <a:t>‹Nº›</a:t>
+              <a:t>‹#›</a:t>
             </a:fld>
             <a:endParaRPr lang="es-MX" dirty="0"/>
           </a:p>
@@ -3967,7 +3967,7 @@
           <a:p>
             <a:fld id="{5E75A0DC-66C6-4CEC-A5EB-F8C97CEC3796}" type="datetimeFigureOut">
               <a:rPr lang="es-MX" smtClean="0"/>
-              <a:t>15/05/2023</a:t>
+              <a:t>27/10/2024</a:t>
             </a:fld>
             <a:endParaRPr lang="es-MX" dirty="0"/>
           </a:p>
@@ -4009,7 +4009,7 @@
           <a:p>
             <a:fld id="{C077EE1E-7A06-4E7F-9AFB-189FC69B7B0C}" type="slidenum">
               <a:rPr lang="es-MX" smtClean="0"/>
-              <a:t>‹Nº›</a:t>
+              <a:t>‹#›</a:t>
             </a:fld>
             <a:endParaRPr lang="es-MX" dirty="0"/>
           </a:p>
@@ -4180,7 +4180,7 @@
           <a:p>
             <a:fld id="{5E75A0DC-66C6-4CEC-A5EB-F8C97CEC3796}" type="datetimeFigureOut">
               <a:rPr lang="es-MX" smtClean="0"/>
-              <a:t>15/05/2023</a:t>
+              <a:t>27/10/2024</a:t>
             </a:fld>
             <a:endParaRPr lang="es-MX" dirty="0"/>
           </a:p>
@@ -4258,7 +4258,7 @@
           <a:p>
             <a:fld id="{C077EE1E-7A06-4E7F-9AFB-189FC69B7B0C}" type="slidenum">
               <a:rPr lang="es-MX" smtClean="0"/>
-              <a:t>‹Nº›</a:t>
+              <a:t>‹#›</a:t>
             </a:fld>
             <a:endParaRPr lang="es-MX" dirty="0"/>
           </a:p>
@@ -8899,18 +8899,7 @@
                 </a:solidFill>
                 <a:latin typeface="+mn-lt"/>
               </a:rPr>
-              <a:t>Access </a:t>
-            </a:r>
-            <a:r>
-              <a:rPr lang="es-MX" sz="2000" b="1" dirty="0" err="1">
-                <a:solidFill>
-                  <a:schemeClr val="accent6">
-                    <a:lumMod val="75000"/>
-                  </a:schemeClr>
-                </a:solidFill>
-                <a:latin typeface="+mn-lt"/>
-              </a:rPr>
-              <a:t>Points</a:t>
+              <a:t>Access Points</a:t>
             </a:r>
             <a:endParaRPr lang="es-MX" sz="2000" dirty="0">
               <a:solidFill>
